--- a/Lessons/B_Intro_to_Analytics/B_EDA_Practice.pptx
+++ b/Lessons/B_Intro_to_Analytics/B_EDA_Practice.pptx
@@ -209,7 +209,7 @@
           <a:p>
             <a:fld id="{C333ABA6-B72D-4ED4-A6E7-13A0DAE65F1A}" type="datetimeFigureOut">
               <a:rPr lang="en-US" smtClean="0"/>
-              <a:t>2/16/23</a:t>
+              <a:t>1/18/24</a:t>
             </a:fld>
             <a:endParaRPr lang="en-US"/>
           </a:p>
@@ -692,7 +692,7 @@
           <a:p>
             <a:fld id="{5738B90E-0779-4C36-915C-6F05FCD89456}" type="datetime1">
               <a:rPr lang="en-US" smtClean="0"/>
-              <a:t>2/16/23</a:t>
+              <a:t>1/18/24</a:t>
             </a:fld>
             <a:endParaRPr lang="en-US"/>
           </a:p>
@@ -761,7 +761,7 @@
           <a:p>
             <a:r>
               <a:rPr lang="en-US" dirty="0"/>
-              <a:t>Kwartler CSCI S-96</a:t>
+              <a:t>Kwartler  </a:t>
             </a:r>
           </a:p>
         </p:txBody>
@@ -869,7 +869,7 @@
           <a:p>
             <a:fld id="{7B9EA29D-D431-42FE-B7B6-AAE4454C77D3}" type="datetime1">
               <a:rPr lang="en-US" smtClean="0"/>
-              <a:t>2/16/23</a:t>
+              <a:t>1/18/24</a:t>
             </a:fld>
             <a:endParaRPr lang="en-US"/>
           </a:p>
@@ -891,8 +891,8 @@
           <a:lstStyle/>
           <a:p>
             <a:r>
-              <a:rPr lang="en-US"/>
-              <a:t>Kwartler CSCI S-96</a:t>
+              <a:rPr lang="en-US" dirty="0"/>
+              <a:t>Kwartler  </a:t>
             </a:r>
           </a:p>
         </p:txBody>
@@ -1088,7 +1088,7 @@
           <a:p>
             <a:fld id="{690D8A1E-EA8F-46C1-B891-AE0C00D9C314}" type="datetime1">
               <a:rPr lang="en-US" smtClean="0"/>
-              <a:t>2/16/23</a:t>
+              <a:t>1/18/24</a:t>
             </a:fld>
             <a:endParaRPr lang="en-US"/>
           </a:p>
@@ -1203,7 +1203,7 @@
           <a:p>
             <a:r>
               <a:rPr lang="en-US" dirty="0"/>
-              <a:t>Kwartler CSCI S-96</a:t>
+              <a:t>Kwartler  </a:t>
             </a:r>
           </a:p>
         </p:txBody>
@@ -1341,7 +1341,7 @@
           <a:p>
             <a:fld id="{D753EFC8-4232-4598-94F6-94C0EBAFC469}" type="datetime1">
               <a:rPr lang="en-US" smtClean="0"/>
-              <a:t>2/16/23</a:t>
+              <a:t>1/18/24</a:t>
             </a:fld>
             <a:endParaRPr lang="en-US"/>
           </a:p>
@@ -1410,7 +1410,7 @@
           <a:p>
             <a:r>
               <a:rPr lang="en-US" dirty="0"/>
-              <a:t>Kwartler CSCI S-96</a:t>
+              <a:t>Kwartler  </a:t>
             </a:r>
           </a:p>
         </p:txBody>
@@ -1615,7 +1615,7 @@
           <a:p>
             <a:fld id="{F3161074-1C18-4AE7-957D-F18524378C85}" type="datetime1">
               <a:rPr lang="en-US" smtClean="0"/>
-              <a:t>2/16/23</a:t>
+              <a:t>1/18/24</a:t>
             </a:fld>
             <a:endParaRPr lang="en-US"/>
           </a:p>
@@ -1684,7 +1684,7 @@
           <a:p>
             <a:r>
               <a:rPr lang="en-US" dirty="0"/>
-              <a:t>Kwartler CSCI S-96</a:t>
+              <a:t>Kwartler  </a:t>
             </a:r>
           </a:p>
         </p:txBody>
@@ -1848,7 +1848,7 @@
           <a:p>
             <a:fld id="{69BE256C-8D9A-4404-B47D-41A1AE514425}" type="datetime1">
               <a:rPr lang="en-US" smtClean="0"/>
-              <a:t>2/16/23</a:t>
+              <a:t>1/18/24</a:t>
             </a:fld>
             <a:endParaRPr lang="en-US"/>
           </a:p>
@@ -1947,7 +1947,7 @@
           <a:p>
             <a:r>
               <a:rPr lang="en-US" dirty="0"/>
-              <a:t>Kwartler CSCI S-96</a:t>
+              <a:t>Kwartler  </a:t>
             </a:r>
           </a:p>
         </p:txBody>
@@ -2241,7 +2241,7 @@
           <a:p>
             <a:fld id="{66CB2154-9035-4012-8189-BAAB61C5A5EE}" type="datetime1">
               <a:rPr lang="en-US" smtClean="0"/>
-              <a:t>2/16/23</a:t>
+              <a:t>1/18/24</a:t>
             </a:fld>
             <a:endParaRPr lang="en-US"/>
           </a:p>
@@ -2263,8 +2263,8 @@
           <a:lstStyle/>
           <a:p>
             <a:r>
-              <a:rPr lang="en-US"/>
-              <a:t>Kwartler CSCI S-96</a:t>
+              <a:rPr lang="en-US" dirty="0"/>
+              <a:t>Kwartler  </a:t>
             </a:r>
           </a:p>
         </p:txBody>
@@ -2374,7 +2374,7 @@
           <a:p>
             <a:fld id="{6700A58B-DD98-43D0-B791-721480A02982}" type="datetime1">
               <a:rPr lang="en-US" smtClean="0"/>
-              <a:t>2/16/23</a:t>
+              <a:t>1/18/24</a:t>
             </a:fld>
             <a:endParaRPr lang="en-US"/>
           </a:p>
@@ -2473,7 +2473,7 @@
           <a:p>
             <a:r>
               <a:rPr lang="en-US" dirty="0"/>
-              <a:t>Kwartler CSCI S-96</a:t>
+              <a:t>Kwartler  </a:t>
             </a:r>
           </a:p>
         </p:txBody>
@@ -2525,7 +2525,7 @@
           <a:p>
             <a:fld id="{7DB6E382-4F61-4E24-BE1A-377EC83D0E3A}" type="datetime1">
               <a:rPr lang="en-US" smtClean="0"/>
-              <a:t>2/16/23</a:t>
+              <a:t>1/18/24</a:t>
             </a:fld>
             <a:endParaRPr lang="en-US"/>
           </a:p>
@@ -2594,7 +2594,7 @@
           <a:p>
             <a:r>
               <a:rPr lang="en-US" dirty="0"/>
-              <a:t>Kwartler CSCI S-96</a:t>
+              <a:t>Kwartler  </a:t>
             </a:r>
           </a:p>
         </p:txBody>
@@ -2795,7 +2795,7 @@
           <a:p>
             <a:fld id="{4142EED6-FC16-45B9-B8C4-2BC5DBA88325}" type="datetime1">
               <a:rPr lang="en-US" smtClean="0"/>
-              <a:t>2/16/23</a:t>
+              <a:t>1/18/24</a:t>
             </a:fld>
             <a:endParaRPr lang="en-US"/>
           </a:p>
@@ -2894,7 +2894,7 @@
           <a:p>
             <a:r>
               <a:rPr lang="en-US" dirty="0"/>
-              <a:t>Kwartler CSCI S-96</a:t>
+              <a:t>Kwartler  </a:t>
             </a:r>
           </a:p>
         </p:txBody>
@@ -3072,7 +3072,7 @@
           <a:p>
             <a:fld id="{DF59512B-4F1D-43D7-8819-2F53FEF69650}" type="datetime1">
               <a:rPr lang="en-US" smtClean="0"/>
-              <a:t>2/16/23</a:t>
+              <a:t>1/18/24</a:t>
             </a:fld>
             <a:endParaRPr lang="en-US"/>
           </a:p>
@@ -3171,7 +3171,7 @@
           <a:p>
             <a:r>
               <a:rPr lang="en-US" dirty="0"/>
-              <a:t>Kwartler CSCI S-96</a:t>
+              <a:t>Kwartler  </a:t>
             </a:r>
           </a:p>
         </p:txBody>
@@ -3307,7 +3307,7 @@
           <a:p>
             <a:fld id="{08437B94-E2BF-44DC-ADC5-B05FC9934E9D}" type="datetime1">
               <a:rPr lang="en-US" smtClean="0"/>
-              <a:t>2/16/23</a:t>
+              <a:t>1/18/24</a:t>
             </a:fld>
             <a:endParaRPr lang="en-US"/>
           </a:p>
@@ -3348,7 +3348,7 @@
           <a:p>
             <a:r>
               <a:rPr lang="en-US" dirty="0"/>
-              <a:t>Kwartler CSCI S-96</a:t>
+              <a:t>Kwartler  </a:t>
             </a:r>
           </a:p>
         </p:txBody>
@@ -4233,7 +4233,7 @@
           <a:p>
             <a:fld id="{9B19E99B-5349-415A-8E56-8E989211A366}" type="datetime1">
               <a:rPr lang="en-US" smtClean="0"/>
-              <a:t>2/16/23</a:t>
+              <a:t>1/18/24</a:t>
             </a:fld>
             <a:endParaRPr lang="en-US"/>
           </a:p>
@@ -4290,7 +4290,7 @@
           <a:p>
             <a:r>
               <a:rPr lang="en-US" dirty="0"/>
-              <a:t>Kwartler CSCI E-96</a:t>
+              <a:t>Kwartler </a:t>
             </a:r>
           </a:p>
         </p:txBody>
@@ -4372,7 +4372,7 @@
           <a:p>
             <a:fld id="{6700A58B-DD98-43D0-B791-721480A02982}" type="datetime1">
               <a:rPr lang="en-US" smtClean="0"/>
-              <a:t>2/16/23</a:t>
+              <a:t>1/18/24</a:t>
             </a:fld>
             <a:endParaRPr lang="en-US"/>
           </a:p>
@@ -4583,7 +4583,7 @@
           <a:p>
             <a:r>
               <a:rPr lang="en-US" dirty="0"/>
-              <a:t>Kwartler CSCI E-96</a:t>
+              <a:t>Kwartler </a:t>
             </a:r>
           </a:p>
         </p:txBody>
@@ -4635,7 +4635,7 @@
           <a:p>
             <a:fld id="{6700A58B-DD98-43D0-B791-721480A02982}" type="datetime1">
               <a:rPr lang="en-US" smtClean="0"/>
-              <a:t>2/16/23</a:t>
+              <a:t>1/18/24</a:t>
             </a:fld>
             <a:endParaRPr lang="en-US"/>
           </a:p>
@@ -4878,7 +4878,7 @@
           <a:p>
             <a:r>
               <a:rPr lang="en-US" dirty="0"/>
-              <a:t>Kwartler CSCI E-96</a:t>
+              <a:t>Kwartler </a:t>
             </a:r>
           </a:p>
         </p:txBody>
@@ -5064,7 +5064,7 @@
           <a:p>
             <a:fld id="{D753EFC8-4232-4598-94F6-94C0EBAFC469}" type="datetime1">
               <a:rPr lang="en-US" smtClean="0"/>
-              <a:t>2/16/23</a:t>
+              <a:t>1/18/24</a:t>
             </a:fld>
             <a:endParaRPr lang="en-US"/>
           </a:p>
@@ -5532,7 +5532,7 @@
           <a:p>
             <a:r>
               <a:rPr lang="en-US" dirty="0"/>
-              <a:t>Kwartler CSCI E-96</a:t>
+              <a:t>Kwartler </a:t>
             </a:r>
           </a:p>
         </p:txBody>
@@ -5584,7 +5584,7 @@
           <a:p>
             <a:fld id="{6700A58B-DD98-43D0-B791-721480A02982}" type="datetime1">
               <a:rPr lang="en-US" smtClean="0"/>
-              <a:t>2/16/23</a:t>
+              <a:t>1/18/24</a:t>
             </a:fld>
             <a:endParaRPr lang="en-US"/>
           </a:p>
@@ -5644,7 +5644,7 @@
         <p:spPr>
           <a:xfrm>
             <a:off x="421856" y="994291"/>
-            <a:ext cx="8505573" cy="738664"/>
+            <a:ext cx="8505573" cy="1107996"/>
           </a:xfrm>
           <a:prstGeom prst="rect">
             <a:avLst/>
@@ -5666,24 +5666,23 @@
             </a:pPr>
             <a:r>
               <a:rPr lang="en-US" sz="2400" dirty="0"/>
-              <a:t>Start </a:t>
-            </a:r>
-            <a:r>
-              <a:rPr lang="en-US" sz="2400" dirty="0" err="1"/>
-              <a:t>okCupid</a:t>
-            </a:r>
+              <a:t>Finish your assignments!!</a:t>
+            </a:r>
+          </a:p>
+          <a:p>
+            <a:pPr marL="742950" lvl="1" indent="-285750">
+              <a:buFont typeface="Arial" panose="020B0604020202020204" pitchFamily="34" charset="0"/>
+              <a:buChar char="•"/>
+            </a:pPr>
             <a:r>
               <a:rPr lang="en-US" sz="2400" dirty="0"/>
-              <a:t> Case in code or with </a:t>
-            </a:r>
-            <a:r>
-              <a:rPr lang="en-US" sz="2400" dirty="0" err="1"/>
-              <a:t>Radiant.Data</a:t>
-            </a:r>
-            <a:r>
-              <a:rPr lang="en-US" sz="2400" dirty="0"/>
-              <a:t>!</a:t>
-            </a:r>
+              <a:t>Your first major case is an </a:t>
+            </a:r>
+            <a:r>
+              <a:rPr lang="en-US" sz="2400"/>
+              <a:t>EDA case.</a:t>
+            </a:r>
+            <a:endParaRPr lang="en-US" sz="2400" dirty="0"/>
           </a:p>
         </p:txBody>
       </p:sp>
@@ -5715,7 +5714,7 @@
           <a:p>
             <a:r>
               <a:rPr lang="en-US" dirty="0"/>
-              <a:t>Kwartler CSCI E-96</a:t>
+              <a:t>Kwartler </a:t>
             </a:r>
           </a:p>
         </p:txBody>
@@ -5773,7 +5772,7 @@
           <a:p>
             <a:fld id="{6700A58B-DD98-43D0-B791-721480A02982}" type="datetime1">
               <a:rPr lang="en-US" smtClean="0"/>
-              <a:t>2/16/23</a:t>
+              <a:t>1/18/24</a:t>
             </a:fld>
             <a:endParaRPr lang="en-US"/>
           </a:p>
@@ -5858,10 +5857,9 @@
           <a:lstStyle/>
           <a:p>
             <a:r>
-              <a:rPr lang="en-US"/>
-              <a:t>Kwartler CSCI S-96</a:t>
-            </a:r>
-            <a:endParaRPr lang="en-US" dirty="0"/>
+              <a:rPr lang="en-US" dirty="0"/>
+              <a:t>Kwartler  </a:t>
+            </a:r>
           </a:p>
         </p:txBody>
       </p:sp>
@@ -6036,7 +6034,7 @@
           <a:p>
             <a:fld id="{6700A58B-DD98-43D0-B791-721480A02982}" type="datetime1">
               <a:rPr lang="en-US" smtClean="0"/>
-              <a:t>2/16/23</a:t>
+              <a:t>1/18/24</a:t>
             </a:fld>
             <a:endParaRPr lang="en-US"/>
           </a:p>
@@ -6126,10 +6124,9 @@
           <a:lstStyle/>
           <a:p>
             <a:r>
-              <a:rPr lang="en-US"/>
-              <a:t>Kwartler CSCI S-96</a:t>
-            </a:r>
-            <a:endParaRPr lang="en-US" dirty="0"/>
+              <a:rPr lang="en-US" dirty="0"/>
+              <a:t>Kwartler  </a:t>
+            </a:r>
           </a:p>
         </p:txBody>
       </p:sp>
@@ -6296,7 +6293,7 @@
             <a:pPr algn="ctr"/>
             <a:r>
               <a:rPr lang="en-US" dirty="0"/>
-              <a:t>WRONG.  Most often, flights are cancelled after they have been delayed.  So modeling with cancellation is out of order to what you’re trying to predict.  </a:t>
+              <a:t>WRONG.  Many flights are cancelled after they have been delayed.  So modeling with cancellation is out of order to what you’re trying to predict.  </a:t>
             </a:r>
           </a:p>
         </p:txBody>
@@ -6498,7 +6495,7 @@
           <a:p>
             <a:fld id="{6700A58B-DD98-43D0-B791-721480A02982}" type="datetime1">
               <a:rPr lang="en-US" smtClean="0"/>
-              <a:t>2/16/23</a:t>
+              <a:t>1/18/24</a:t>
             </a:fld>
             <a:endParaRPr lang="en-US"/>
           </a:p>
@@ -6588,10 +6585,9 @@
           <a:lstStyle/>
           <a:p>
             <a:r>
-              <a:rPr lang="en-US"/>
-              <a:t>Kwartler CSCI S-96</a:t>
-            </a:r>
-            <a:endParaRPr lang="en-US" dirty="0"/>
+              <a:rPr lang="en-US" dirty="0"/>
+              <a:t>Kwartler  </a:t>
+            </a:r>
           </a:p>
         </p:txBody>
       </p:sp>
@@ -6682,7 +6678,7 @@
             </a:pPr>
             <a:r>
               <a:rPr lang="en-US" dirty="0"/>
-              <a:t>Has the person expired</a:t>
+              <a:t>Expired </a:t>
             </a:r>
           </a:p>
           <a:p>
@@ -6795,7 +6791,7 @@
         </p:nvCxnSpPr>
         <p:spPr>
           <a:xfrm flipH="1">
-            <a:off x="3675888" y="3483864"/>
+            <a:off x="2269998" y="3483864"/>
             <a:ext cx="1426464" cy="0"/>
           </a:xfrm>
           <a:prstGeom prst="straightConnector1">
@@ -6978,7 +6974,7 @@
           <a:p>
             <a:fld id="{6700A58B-DD98-43D0-B791-721480A02982}" type="datetime1">
               <a:rPr lang="en-US" smtClean="0"/>
-              <a:t>2/16/23</a:t>
+              <a:t>1/18/24</a:t>
             </a:fld>
             <a:endParaRPr lang="en-US"/>
           </a:p>
@@ -7068,10 +7064,9 @@
           <a:lstStyle/>
           <a:p>
             <a:r>
-              <a:rPr lang="en-US"/>
-              <a:t>Kwartler CSCI S-96</a:t>
-            </a:r>
-            <a:endParaRPr lang="en-US" dirty="0"/>
+              <a:rPr lang="en-US" dirty="0"/>
+              <a:t>Kwartler  </a:t>
+            </a:r>
           </a:p>
         </p:txBody>
       </p:sp>
@@ -7449,7 +7444,7 @@
           <a:p>
             <a:fld id="{6700A58B-DD98-43D0-B791-721480A02982}" type="datetime1">
               <a:rPr lang="en-US" smtClean="0"/>
-              <a:t>2/16/23</a:t>
+              <a:t>1/18/24</a:t>
             </a:fld>
             <a:endParaRPr lang="en-US"/>
           </a:p>
@@ -7539,10 +7534,9 @@
           <a:lstStyle/>
           <a:p>
             <a:r>
-              <a:rPr lang="en-US"/>
-              <a:t>Kwartler CSCI S-96</a:t>
-            </a:r>
-            <a:endParaRPr lang="en-US" dirty="0"/>
+              <a:rPr lang="en-US" dirty="0"/>
+              <a:t>Kwartler  </a:t>
+            </a:r>
           </a:p>
         </p:txBody>
       </p:sp>
@@ -7670,7 +7664,7 @@
           <a:p>
             <a:fld id="{6700A58B-DD98-43D0-B791-721480A02982}" type="datetime1">
               <a:rPr lang="en-US" smtClean="0"/>
-              <a:t>2/16/23</a:t>
+              <a:t>1/18/24</a:t>
             </a:fld>
             <a:endParaRPr lang="en-US"/>
           </a:p>
@@ -7761,10 +7755,9 @@
           <a:lstStyle/>
           <a:p>
             <a:r>
-              <a:rPr lang="en-US"/>
-              <a:t>Kwartler CSCI S-96</a:t>
-            </a:r>
-            <a:endParaRPr lang="en-US" dirty="0"/>
+              <a:rPr lang="en-US" dirty="0"/>
+              <a:t>Kwartler  </a:t>
+            </a:r>
           </a:p>
         </p:txBody>
       </p:sp>
@@ -7909,7 +7902,7 @@
           <a:p>
             <a:fld id="{6700A58B-DD98-43D0-B791-721480A02982}" type="datetime1">
               <a:rPr lang="en-US" smtClean="0"/>
-              <a:t>2/16/23</a:t>
+              <a:t>1/18/24</a:t>
             </a:fld>
             <a:endParaRPr lang="en-US"/>
           </a:p>
@@ -8197,7 +8190,7 @@
           <a:p>
             <a:r>
               <a:rPr lang="en-US" dirty="0"/>
-              <a:t>Kwartler CSCI E-96</a:t>
+              <a:t>Kwartler </a:t>
             </a:r>
           </a:p>
         </p:txBody>
@@ -8249,7 +8242,7 @@
           <a:p>
             <a:fld id="{6700A58B-DD98-43D0-B791-721480A02982}" type="datetime1">
               <a:rPr lang="en-US" smtClean="0"/>
-              <a:t>2/16/23</a:t>
+              <a:t>1/18/24</a:t>
             </a:fld>
             <a:endParaRPr lang="en-US"/>
           </a:p>
@@ -8544,7 +8537,19 @@
               <a:rPr lang="en-US" altLang="en-US" dirty="0">
                 <a:latin typeface="Franklin Gothic Book" pitchFamily="34" charset="0"/>
               </a:rPr>
-              <a:t>If your modeling is unbalanced, the book has an example of oversampling</a:t>
+              <a:t>If your modeling is unbalanced, preprocessing ROSE and SMOTE </a:t>
+            </a:r>
+            <a:r>
+              <a:rPr lang="en-US" altLang="en-US" dirty="0" err="1">
+                <a:latin typeface="Franklin Gothic Book" pitchFamily="34" charset="0"/>
+              </a:rPr>
+              <a:t>etc</a:t>
+            </a:r>
+            <a:r>
+              <a:rPr lang="en-US" altLang="en-US" dirty="0">
+                <a:latin typeface="Franklin Gothic Book" pitchFamily="34" charset="0"/>
+              </a:rPr>
+              <a:t> are needed</a:t>
             </a:r>
           </a:p>
         </p:txBody>
@@ -8577,7 +8582,7 @@
           <a:p>
             <a:r>
               <a:rPr lang="en-US" dirty="0"/>
-              <a:t>Kwartler CSCI E-96</a:t>
+              <a:t>Kwartler </a:t>
             </a:r>
           </a:p>
         </p:txBody>
